--- a/Apresentacao.pptx
+++ b/Apresentacao.pptx
@@ -13,9 +13,10 @@
     <p:sldId id="262" r:id="rId7"/>
     <p:sldId id="263" r:id="rId8"/>
     <p:sldId id="264" r:id="rId9"/>
-    <p:sldId id="265" r:id="rId10"/>
-    <p:sldId id="266" r:id="rId11"/>
-    <p:sldId id="267" r:id="rId12"/>
+    <p:sldId id="268" r:id="rId10"/>
+    <p:sldId id="265" r:id="rId11"/>
+    <p:sldId id="266" r:id="rId12"/>
+    <p:sldId id="267" r:id="rId13"/>
   </p:sldIdLst>
   <p:sldSz cx="12192000" cy="6858000"/>
   <p:notesSz cx="6858000" cy="9144000"/>
@@ -5507,7 +5508,7 @@
           <p:cNvPr id="2" name="Título 1">
             <a:extLst>
               <a:ext uri="{FF2B5EF4-FFF2-40B4-BE49-F238E27FC236}">
-                <a16:creationId xmlns:a16="http://schemas.microsoft.com/office/drawing/2014/main" id="{333AEE99-2AE6-48BF-A166-2B007B92808D}"/>
+                <a16:creationId xmlns:a16="http://schemas.microsoft.com/office/drawing/2014/main" id="{9A5E2C54-D551-43CB-9AC5-2CB3D243B98D}"/>
               </a:ext>
             </a:extLst>
           </p:cNvPr>
@@ -5520,7 +5521,7 @@
         </p:nvSpPr>
         <p:spPr>
           <a:xfrm>
-            <a:off x="535125" y="685800"/>
+            <a:off x="684212" y="685800"/>
             <a:ext cx="8534400" cy="1507067"/>
           </a:xfrm>
         </p:spPr>
@@ -5530,7 +5531,7 @@
           <a:p>
             <a:r>
               <a:rPr lang="pt-PT" dirty="0"/>
-              <a:t>Discussão de resultados</a:t>
+              <a:t>Rle (Run-Length Encoding)</a:t>
             </a:r>
           </a:p>
         </p:txBody>
@@ -5540,7 +5541,7 @@
           <p:cNvPr id="3" name="Marcador de Posição de Conteúdo 2">
             <a:extLst>
               <a:ext uri="{FF2B5EF4-FFF2-40B4-BE49-F238E27FC236}">
-                <a16:creationId xmlns:a16="http://schemas.microsoft.com/office/drawing/2014/main" id="{F9E04EB1-6E19-40F3-B54E-CD6BBBF1C149}"/>
+                <a16:creationId xmlns:a16="http://schemas.microsoft.com/office/drawing/2014/main" id="{D74992C5-8F99-4E51-AA0F-F4006C9E379C}"/>
               </a:ext>
             </a:extLst>
           </p:cNvPr>
@@ -5553,8 +5554,8 @@
         </p:nvSpPr>
         <p:spPr>
           <a:xfrm>
-            <a:off x="535125" y="2192867"/>
-            <a:ext cx="6432205" cy="3487497"/>
+            <a:off x="684212" y="2192867"/>
+            <a:ext cx="8534400" cy="3615267"/>
           </a:xfrm>
         </p:spPr>
         <p:txBody>
@@ -5565,87 +5566,27 @@
           <a:p>
             <a:r>
               <a:rPr lang="pt-PT" dirty="0"/>
-              <a:t>De todos os métodos de compressão, os que se destacam são o BZIP2 e o PPM.</a:t>
+              <a:t>Patenteado em 1983 pela Hitachi.</a:t>
             </a:r>
           </a:p>
           <a:p>
             <a:r>
               <a:rPr lang="pt-PT" dirty="0"/>
-              <a:t>Combinações de métodos geralmente resultam em melhores resultados, como o BWT seguido do PPM</a:t>
+              <a:t>Este método reduz o tamanho do ficheiro criando pares com o símbolo e o número de repetições desse mesmo símbolo.</a:t>
             </a:r>
           </a:p>
           <a:p>
             <a:r>
               <a:rPr lang="pt-PT" dirty="0"/>
-              <a:t>Consoante o conteúdo dos ficheiros, certos métodos de compressão podem resultar melhor ou pior quando comparando com outros ficheiros</a:t>
-            </a:r>
-          </a:p>
-        </p:txBody>
-      </p:sp>
-      <p:pic>
-        <p:nvPicPr>
-          <p:cNvPr id="5" name="Imagem 4">
-            <a:extLst>
-              <a:ext uri="{FF2B5EF4-FFF2-40B4-BE49-F238E27FC236}">
-                <a16:creationId xmlns:a16="http://schemas.microsoft.com/office/drawing/2014/main" id="{0BBE5289-13D2-4D1C-AAE9-AA7803C8CA91}"/>
-              </a:ext>
-            </a:extLst>
-          </p:cNvPr>
-          <p:cNvPicPr>
-            <a:picLocks noChangeAspect="1"/>
-          </p:cNvPicPr>
-          <p:nvPr/>
-        </p:nvPicPr>
-        <p:blipFill>
-          <a:blip r:embed="rId2"/>
-          <a:stretch>
-            <a:fillRect/>
-          </a:stretch>
-        </p:blipFill>
-        <p:spPr>
-          <a:xfrm>
-            <a:off x="6967329" y="3527991"/>
-            <a:ext cx="5080154" cy="3067008"/>
-          </a:xfrm>
-          <a:prstGeom prst="rect">
-            <a:avLst/>
-          </a:prstGeom>
-        </p:spPr>
-      </p:pic>
-      <p:pic>
-        <p:nvPicPr>
-          <p:cNvPr id="7" name="Imagem 6">
-            <a:extLst>
-              <a:ext uri="{FF2B5EF4-FFF2-40B4-BE49-F238E27FC236}">
-                <a16:creationId xmlns:a16="http://schemas.microsoft.com/office/drawing/2014/main" id="{93E8CE80-DD5E-4DE5-9C71-5A474C931703}"/>
-              </a:ext>
-            </a:extLst>
-          </p:cNvPr>
-          <p:cNvPicPr>
-            <a:picLocks noChangeAspect="1"/>
-          </p:cNvPicPr>
-          <p:nvPr/>
-        </p:nvPicPr>
-        <p:blipFill>
-          <a:blip r:embed="rId3"/>
-          <a:stretch>
-            <a:fillRect/>
-          </a:stretch>
-        </p:blipFill>
-        <p:spPr>
-          <a:xfrm>
-            <a:off x="6967330" y="263001"/>
-            <a:ext cx="5080153" cy="3087273"/>
-          </a:xfrm>
-          <a:prstGeom prst="rect">
-            <a:avLst/>
-          </a:prstGeom>
-        </p:spPr>
-      </p:pic>
+              <a:t>Assim, é um bom algoritmo para ficheiros que contenham várias repetições de símbolos.</a:t>
+            </a:r>
+          </a:p>
+        </p:txBody>
+      </p:sp>
     </p:spTree>
     <p:extLst>
       <p:ext uri="{BB962C8B-B14F-4D97-AF65-F5344CB8AC3E}">
-        <p14:creationId xmlns:p14="http://schemas.microsoft.com/office/powerpoint/2010/main" val="3803540208"/>
+        <p14:creationId xmlns:p14="http://schemas.microsoft.com/office/powerpoint/2010/main" val="310846407"/>
       </p:ext>
     </p:extLst>
   </p:cSld>
@@ -5677,6 +5618,176 @@
           <p:cNvPr id="2" name="Título 1">
             <a:extLst>
               <a:ext uri="{FF2B5EF4-FFF2-40B4-BE49-F238E27FC236}">
+                <a16:creationId xmlns:a16="http://schemas.microsoft.com/office/drawing/2014/main" id="{333AEE99-2AE6-48BF-A166-2B007B92808D}"/>
+              </a:ext>
+            </a:extLst>
+          </p:cNvPr>
+          <p:cNvSpPr>
+            <a:spLocks noGrp="1"/>
+          </p:cNvSpPr>
+          <p:nvPr>
+            <p:ph type="title"/>
+          </p:nvPr>
+        </p:nvSpPr>
+        <p:spPr>
+          <a:xfrm>
+            <a:off x="535125" y="685800"/>
+            <a:ext cx="8534400" cy="1507067"/>
+          </a:xfrm>
+        </p:spPr>
+        <p:txBody>
+          <a:bodyPr/>
+          <a:lstStyle/>
+          <a:p>
+            <a:r>
+              <a:rPr lang="pt-PT" dirty="0"/>
+              <a:t>Discussão de resultados</a:t>
+            </a:r>
+          </a:p>
+        </p:txBody>
+      </p:sp>
+      <p:sp>
+        <p:nvSpPr>
+          <p:cNvPr id="3" name="Marcador de Posição de Conteúdo 2">
+            <a:extLst>
+              <a:ext uri="{FF2B5EF4-FFF2-40B4-BE49-F238E27FC236}">
+                <a16:creationId xmlns:a16="http://schemas.microsoft.com/office/drawing/2014/main" id="{F9E04EB1-6E19-40F3-B54E-CD6BBBF1C149}"/>
+              </a:ext>
+            </a:extLst>
+          </p:cNvPr>
+          <p:cNvSpPr>
+            <a:spLocks noGrp="1"/>
+          </p:cNvSpPr>
+          <p:nvPr>
+            <p:ph idx="1"/>
+          </p:nvPr>
+        </p:nvSpPr>
+        <p:spPr>
+          <a:xfrm>
+            <a:off x="535125" y="2192867"/>
+            <a:ext cx="6432205" cy="3487497"/>
+          </a:xfrm>
+        </p:spPr>
+        <p:txBody>
+          <a:bodyPr>
+            <a:normAutofit/>
+          </a:bodyPr>
+          <a:lstStyle/>
+          <a:p>
+            <a:r>
+              <a:rPr lang="pt-PT" dirty="0"/>
+              <a:t>De todos os métodos de compressão, os que se destacam são o BZIP2 e o PPM.</a:t>
+            </a:r>
+          </a:p>
+          <a:p>
+            <a:r>
+              <a:rPr lang="pt-PT" dirty="0"/>
+              <a:t>Combinações de métodos geralmente resultam em melhores resultados, como o BWT seguido do PPM.</a:t>
+            </a:r>
+          </a:p>
+          <a:p>
+            <a:r>
+              <a:rPr lang="pt-PT" dirty="0"/>
+              <a:t>Consoante o conteúdo dos ficheiros, certos métodos de compressão podem resultar melhor ou pior quando comparando com outros ficheiros.</a:t>
+            </a:r>
+          </a:p>
+        </p:txBody>
+      </p:sp>
+      <p:pic>
+        <p:nvPicPr>
+          <p:cNvPr id="5" name="Imagem 4">
+            <a:extLst>
+              <a:ext uri="{FF2B5EF4-FFF2-40B4-BE49-F238E27FC236}">
+                <a16:creationId xmlns:a16="http://schemas.microsoft.com/office/drawing/2014/main" id="{0BBE5289-13D2-4D1C-AAE9-AA7803C8CA91}"/>
+              </a:ext>
+            </a:extLst>
+          </p:cNvPr>
+          <p:cNvPicPr>
+            <a:picLocks noChangeAspect="1"/>
+          </p:cNvPicPr>
+          <p:nvPr/>
+        </p:nvPicPr>
+        <p:blipFill>
+          <a:blip r:embed="rId2"/>
+          <a:stretch>
+            <a:fillRect/>
+          </a:stretch>
+        </p:blipFill>
+        <p:spPr>
+          <a:xfrm>
+            <a:off x="6967329" y="3527991"/>
+            <a:ext cx="5080154" cy="3067008"/>
+          </a:xfrm>
+          <a:prstGeom prst="rect">
+            <a:avLst/>
+          </a:prstGeom>
+        </p:spPr>
+      </p:pic>
+      <p:pic>
+        <p:nvPicPr>
+          <p:cNvPr id="7" name="Imagem 6">
+            <a:extLst>
+              <a:ext uri="{FF2B5EF4-FFF2-40B4-BE49-F238E27FC236}">
+                <a16:creationId xmlns:a16="http://schemas.microsoft.com/office/drawing/2014/main" id="{93E8CE80-DD5E-4DE5-9C71-5A474C931703}"/>
+              </a:ext>
+            </a:extLst>
+          </p:cNvPr>
+          <p:cNvPicPr>
+            <a:picLocks noChangeAspect="1"/>
+          </p:cNvPicPr>
+          <p:nvPr/>
+        </p:nvPicPr>
+        <p:blipFill>
+          <a:blip r:embed="rId3"/>
+          <a:stretch>
+            <a:fillRect/>
+          </a:stretch>
+        </p:blipFill>
+        <p:spPr>
+          <a:xfrm>
+            <a:off x="6967330" y="263001"/>
+            <a:ext cx="5080153" cy="3087273"/>
+          </a:xfrm>
+          <a:prstGeom prst="rect">
+            <a:avLst/>
+          </a:prstGeom>
+        </p:spPr>
+      </p:pic>
+    </p:spTree>
+    <p:extLst>
+      <p:ext uri="{BB962C8B-B14F-4D97-AF65-F5344CB8AC3E}">
+        <p14:creationId xmlns:p14="http://schemas.microsoft.com/office/powerpoint/2010/main" val="3803540208"/>
+      </p:ext>
+    </p:extLst>
+  </p:cSld>
+  <p:clrMapOvr>
+    <a:masterClrMapping/>
+  </p:clrMapOvr>
+</p:sld>
+</file>
+
+<file path=ppt/slides/slide12.xml><?xml version="1.0" encoding="utf-8"?>
+<p:sld xmlns:a="http://schemas.openxmlformats.org/drawingml/2006/main" xmlns:r="http://schemas.openxmlformats.org/officeDocument/2006/relationships" xmlns:p="http://schemas.openxmlformats.org/presentationml/2006/main">
+  <p:cSld>
+    <p:spTree>
+      <p:nvGrpSpPr>
+        <p:cNvPr id="1" name=""/>
+        <p:cNvGrpSpPr/>
+        <p:nvPr/>
+      </p:nvGrpSpPr>
+      <p:grpSpPr>
+        <a:xfrm>
+          <a:off x="0" y="0"/>
+          <a:ext cx="0" cy="0"/>
+          <a:chOff x="0" y="0"/>
+          <a:chExt cx="0" cy="0"/>
+        </a:xfrm>
+      </p:grpSpPr>
+      <p:sp>
+        <p:nvSpPr>
+          <p:cNvPr id="2" name="Título 1">
+            <a:extLst>
+              <a:ext uri="{FF2B5EF4-FFF2-40B4-BE49-F238E27FC236}">
                 <a16:creationId xmlns:a16="http://schemas.microsoft.com/office/drawing/2014/main" id="{79A56C68-A04A-42C4-B639-FAE96FAA5219}"/>
               </a:ext>
             </a:extLst>
@@ -5731,7 +5842,10 @@
           <a:bodyPr/>
           <a:lstStyle/>
           <a:p>
-            <a:endParaRPr lang="pt-PT" dirty="0"/>
+            <a:r>
+              <a:rPr lang="pt-PT" dirty="0"/>
+              <a:t>Concluindo, ao contrário da nossa previsão, por uma questão de lógica, ao em vez do método LZ77, acabamos por recorrer ao método LZW para comprimir alguns dos ficheiros disponíveis, uma vez que se trata de uma atualização do LZ77. Para o ficheiro “jquery-3.6.0.js”, ao contrário do que previmos, o PPM acabou por ser o método de compressão mais eficaz. Por fim, o ficheiro “random.txt”, foi comprimido de melhor forma com os Huffman Codes, coincidindo assim com a nossa previsão.</a:t>
+            </a:r>
           </a:p>
         </p:txBody>
       </p:sp>
@@ -6134,6 +6248,12 @@
           <a:p>
             <a:r>
               <a:rPr lang="pt-PT" dirty="0"/>
+              <a:t>Desenvolvido e patenteado por Terry Welch em 1984.</a:t>
+            </a:r>
+          </a:p>
+          <a:p>
+            <a:r>
+              <a:rPr lang="pt-PT" dirty="0"/>
               <a:t>Método de baixa complexidade e muito rápido, quer na compressão quer na descompressão.</a:t>
             </a:r>
           </a:p>
@@ -6238,6 +6358,12 @@
           <a:p>
             <a:r>
               <a:rPr lang="pt-PT" dirty="0"/>
+              <a:t>Originalmente desenvolvido por Cleary e Witten em 1984.</a:t>
+            </a:r>
+          </a:p>
+          <a:p>
+            <a:r>
+              <a:rPr lang="pt-PT" dirty="0"/>
               <a:t>Este método de compressão permite atingir bons rácios de compressão devido ao seu modelo estático, bem como ao codificador aritmético de que faz uso.</a:t>
             </a:r>
           </a:p>
@@ -6345,7 +6471,13 @@
           <a:p>
             <a:r>
               <a:rPr lang="pt-PT" dirty="0"/>
-              <a:t>Usado em técnicas de compressão como o Bzip sendo um dos melhores métodos de compressão para texto.</a:t>
+              <a:t>Inventando por Michael Burrows e David Wheeler em 1994.</a:t>
+            </a:r>
+          </a:p>
+          <a:p>
+            <a:r>
+              <a:rPr lang="pt-PT" dirty="0"/>
+              <a:t>Usado em técnicas de compressão como o BZIP sendo um dos melhores métodos de compressão para texto.</a:t>
             </a:r>
           </a:p>
           <a:p>
@@ -6414,7 +6546,7 @@
           <a:p>
             <a:r>
               <a:rPr lang="pt-PT" dirty="0"/>
-              <a:t>Mtf (Move-to-</a:t>
+              <a:t>Mtf (move-to-</a:t>
             </a:r>
             <a:r>
               <a:rPr lang="pt-PT" dirty="0" err="1"/>
@@ -6454,6 +6586,12 @@
             <a:normAutofit/>
           </a:bodyPr>
           <a:lstStyle/>
+          <a:p>
+            <a:r>
+              <a:rPr lang="pt-PT" dirty="0"/>
+              <a:t>Desenvolvido por Bentley, Sleator, Tarjan e Wei em 1986.</a:t>
+            </a:r>
+          </a:p>
           <a:p>
             <a:r>
               <a:rPr lang="pt-PT" dirty="0"/>
@@ -6497,7 +6635,7 @@
           <p:cNvPr id="2" name="Título 1">
             <a:extLst>
               <a:ext uri="{FF2B5EF4-FFF2-40B4-BE49-F238E27FC236}">
-                <a16:creationId xmlns:a16="http://schemas.microsoft.com/office/drawing/2014/main" id="{9A5E2C54-D551-43CB-9AC5-2CB3D243B98D}"/>
+                <a16:creationId xmlns:a16="http://schemas.microsoft.com/office/drawing/2014/main" id="{7152715F-E0A0-4F55-8373-E3FB76CF7214}"/>
               </a:ext>
             </a:extLst>
           </p:cNvPr>
@@ -6520,7 +6658,7 @@
           <a:p>
             <a:r>
               <a:rPr lang="pt-PT" dirty="0"/>
-              <a:t>Rle (Run-Length Encoding)</a:t>
+              <a:t>BZIP2</a:t>
             </a:r>
           </a:p>
         </p:txBody>
@@ -6530,7 +6668,7 @@
           <p:cNvPr id="3" name="Marcador de Posição de Conteúdo 2">
             <a:extLst>
               <a:ext uri="{FF2B5EF4-FFF2-40B4-BE49-F238E27FC236}">
-                <a16:creationId xmlns:a16="http://schemas.microsoft.com/office/drawing/2014/main" id="{D74992C5-8F99-4E51-AA0F-F4006C9E379C}"/>
+                <a16:creationId xmlns:a16="http://schemas.microsoft.com/office/drawing/2014/main" id="{DD1E62F0-A8DE-4608-B1F4-114DAF6C9F18}"/>
               </a:ext>
             </a:extLst>
           </p:cNvPr>
@@ -6548,20 +6686,24 @@
           </a:xfrm>
         </p:spPr>
         <p:txBody>
-          <a:bodyPr>
-            <a:normAutofit/>
-          </a:bodyPr>
+          <a:bodyPr/>
           <a:lstStyle/>
           <a:p>
             <a:r>
               <a:rPr lang="pt-PT" dirty="0"/>
-              <a:t>Este método reduz o tamanho do ficheiro criando pares com o símbolo e o número de repetições desse mesmo símbolo.</a:t>
+              <a:t>Desenvolvido por Julian Seward em 1996.</a:t>
             </a:r>
           </a:p>
           <a:p>
             <a:r>
               <a:rPr lang="pt-PT" dirty="0"/>
-              <a:t>Assim, é um bom algoritmo para ficheiros que contenham várias repetições de símbolos.</a:t>
+              <a:t>Subdivide a informação em blocos entre 100KB e 900KB e de seguida comprime estes através da técnica de Burrow Wheeler.</a:t>
+            </a:r>
+          </a:p>
+          <a:p>
+            <a:r>
+              <a:rPr lang="pt-PT" dirty="0"/>
+              <a:t>Método muito eficaz relativamente a espaço e a tempo de compressão.</a:t>
             </a:r>
           </a:p>
         </p:txBody>
@@ -6569,7 +6711,7 @@
     </p:spTree>
     <p:extLst>
       <p:ext uri="{BB962C8B-B14F-4D97-AF65-F5344CB8AC3E}">
-        <p14:creationId xmlns:p14="http://schemas.microsoft.com/office/powerpoint/2010/main" val="310846407"/>
+        <p14:creationId xmlns:p14="http://schemas.microsoft.com/office/powerpoint/2010/main" val="1861092572"/>
       </p:ext>
     </p:extLst>
   </p:cSld>
